--- a/Review Material/Review4.pptx
+++ b/Review Material/Review4.pptx
@@ -23,9 +23,9 @@
     <p:sldId id="299" r:id="rId14"/>
     <p:sldId id="294" r:id="rId15"/>
     <p:sldId id="290" r:id="rId16"/>
-    <p:sldId id="291" r:id="rId17"/>
-    <p:sldId id="292" r:id="rId18"/>
-    <p:sldId id="293" r:id="rId19"/>
+    <p:sldId id="292" r:id="rId17"/>
+    <p:sldId id="300" r:id="rId18"/>
+    <p:sldId id="291" r:id="rId19"/>
     <p:sldId id="263" r:id="rId20"/>
     <p:sldId id="279" r:id="rId21"/>
   </p:sldIdLst>
@@ -33,34 +33,34 @@
   <p:notesSz cx="6858000" cy="9144000"/>
   <p:embeddedFontLst>
     <p:embeddedFont>
-      <p:font typeface="Baskerville Old Face" panose="02020602080505020303" pitchFamily="18" charset="0"/>
+      <p:font typeface="Lato" panose="020B0604020202020204" charset="0"/>
       <p:regular r:id="rId23"/>
+      <p:bold r:id="rId24"/>
+      <p:italic r:id="rId25"/>
+      <p:boldItalic r:id="rId26"/>
     </p:embeddedFont>
     <p:embeddedFont>
       <p:font typeface="Cambria Math" panose="02040503050406030204" pitchFamily="18" charset="0"/>
-      <p:regular r:id="rId24"/>
+      <p:regular r:id="rId27"/>
+    </p:embeddedFont>
+    <p:embeddedFont>
+      <p:font typeface="Baskerville Old Face" panose="02020602080505020303" pitchFamily="18" charset="0"/>
+      <p:regular r:id="rId28"/>
+    </p:embeddedFont>
+    <p:embeddedFont>
+      <p:font typeface="Raleway" panose="020B0604020202020204" charset="0"/>
+      <p:regular r:id="rId29"/>
+      <p:bold r:id="rId30"/>
+      <p:italic r:id="rId31"/>
+      <p:boldItalic r:id="rId32"/>
     </p:embeddedFont>
     <p:embeddedFont>
       <p:font typeface="OCR A Extended" panose="02010509020102010303" pitchFamily="50" charset="0"/>
-      <p:regular r:id="rId25"/>
+      <p:regular r:id="rId33"/>
     </p:embeddedFont>
     <p:embeddedFont>
       <p:font typeface="NSimSun" panose="02010609030101010101" pitchFamily="49" charset="-122"/>
-      <p:regular r:id="rId26"/>
-    </p:embeddedFont>
-    <p:embeddedFont>
-      <p:font typeface="Lato" panose="020B0604020202020204" charset="0"/>
-      <p:regular r:id="rId27"/>
-      <p:bold r:id="rId28"/>
-      <p:italic r:id="rId29"/>
-      <p:boldItalic r:id="rId30"/>
-    </p:embeddedFont>
-    <p:embeddedFont>
-      <p:font typeface="Raleway" panose="020B0604020202020204" charset="0"/>
-      <p:regular r:id="rId31"/>
-      <p:bold r:id="rId32"/>
-      <p:italic r:id="rId33"/>
-      <p:boldItalic r:id="rId34"/>
+      <p:regular r:id="rId34"/>
     </p:embeddedFont>
   </p:embeddedFontLst>
   <p:defaultTextStyle>
@@ -2651,7 +2651,7 @@
           <a:p>
             <a:fld id="{8F09D1EF-FCD9-4E08-B984-67E0AB8DAD0E}" type="datetimeFigureOut">
               <a:rPr lang="en-US" smtClean="0"/>
-              <a:t>3/23/2018</a:t>
+              <a:t>3/24/2018</a:t>
             </a:fld>
             <a:endParaRPr lang="en-IN" dirty="0"/>
           </a:p>
@@ -2769,7 +2769,7 @@
           <a:p>
             <a:fld id="{8F09D1EF-FCD9-4E08-B984-67E0AB8DAD0E}" type="datetimeFigureOut">
               <a:rPr lang="en-US" smtClean="0"/>
-              <a:t>3/23/2018</a:t>
+              <a:t>3/24/2018</a:t>
             </a:fld>
             <a:endParaRPr lang="en-IN" dirty="0"/>
           </a:p>
@@ -8509,11 +8509,11 @@
   <p:clrMapOvr>
     <a:masterClrMapping/>
   </p:clrMapOvr>
-  <mc:AlternateContent xmlns:mc="http://schemas.openxmlformats.org/markup-compatibility/2006">
-    <mc:Choice xmlns:p14="http://schemas.microsoft.com/office/powerpoint/2010/main" Requires="p14">
+  <mc:AlternateContent xmlns:mc="http://schemas.openxmlformats.org/markup-compatibility/2006" xmlns:p14="http://schemas.microsoft.com/office/powerpoint/2010/main">
+    <mc:Choice Requires="p14">
       <p:transition p14:dur="250"/>
     </mc:Choice>
-    <mc:Fallback>
+    <mc:Fallback xmlns="">
       <p:transition/>
     </mc:Fallback>
   </mc:AlternateContent>
@@ -8684,13 +8684,13 @@
   <p:clrMapOvr>
     <a:masterClrMapping/>
   </p:clrMapOvr>
-  <mc:AlternateContent xmlns:mc="http://schemas.openxmlformats.org/markup-compatibility/2006">
-    <mc:Choice xmlns:p14="http://schemas.microsoft.com/office/powerpoint/2010/main" Requires="p14">
+  <mc:AlternateContent xmlns:mc="http://schemas.openxmlformats.org/markup-compatibility/2006" xmlns:p14="http://schemas.microsoft.com/office/powerpoint/2010/main">
+    <mc:Choice Requires="p14">
       <p:transition p14:dur="250">
         <p:push dir="d"/>
       </p:transition>
     </mc:Choice>
-    <mc:Fallback>
+    <mc:Fallback xmlns="">
       <p:transition>
         <p:push dir="d"/>
       </p:transition>
@@ -9879,13 +9879,13 @@
   <p:clrMapOvr>
     <a:masterClrMapping/>
   </p:clrMapOvr>
-  <mc:AlternateContent xmlns:mc="http://schemas.openxmlformats.org/markup-compatibility/2006">
-    <mc:Choice xmlns:p14="http://schemas.microsoft.com/office/powerpoint/2010/main" Requires="p14">
+  <mc:AlternateContent xmlns:mc="http://schemas.openxmlformats.org/markup-compatibility/2006" xmlns:p14="http://schemas.microsoft.com/office/powerpoint/2010/main">
+    <mc:Choice Requires="p14">
       <p:transition p14:dur="250">
         <p:push dir="d"/>
       </p:transition>
     </mc:Choice>
-    <mc:Fallback>
+    <mc:Fallback xmlns="">
       <p:transition>
         <p:push dir="d"/>
       </p:transition>
@@ -11141,22 +11141,10 @@
                         </a:rPr>
                         <m:t>=</m:t>
                       </m:r>
-                      <m:r>
-                        <a:rPr lang="en-IN" sz="1400" b="0" i="1" smtClean="0">
-                          <a:latin typeface="Cambria Math" panose="02040503050406030204" pitchFamily="18" charset="0"/>
-                          <a:ea typeface="Cambria Math" panose="02040503050406030204" pitchFamily="18" charset="0"/>
-                        </a:rPr>
-                        <m:t>𝑑</m:t>
-                      </m:r>
-                      <m:r>
-                        <a:rPr lang="en-IN" sz="1400" b="0" i="1" smtClean="0">
-                          <a:latin typeface="Cambria Math" panose="02040503050406030204" pitchFamily="18" charset="0"/>
-                          <a:ea typeface="Cambria Math" panose="02040503050406030204" pitchFamily="18" charset="0"/>
-                        </a:rPr>
-                        <m:t>−</m:t>
-                      </m:r>
                       <m:d>
                         <m:dPr>
+                          <m:begChr m:val="{"/>
+                          <m:endChr m:val="}"/>
                           <m:ctrlPr>
                             <a:rPr lang="en-IN" sz="1400" b="0" i="1" smtClean="0">
                               <a:latin typeface="Cambria Math" panose="02040503050406030204" pitchFamily="18" charset="0"/>
@@ -11166,96 +11154,122 @@
                         </m:dPr>
                         <m:e>
                           <m:r>
-                            <a:rPr lang="en-IN" sz="1400" b="0" i="1" smtClean="0">
+                            <a:rPr lang="en-IN" sz="1400" i="1">
                               <a:latin typeface="Cambria Math" panose="02040503050406030204" pitchFamily="18" charset="0"/>
                               <a:ea typeface="Cambria Math" panose="02040503050406030204" pitchFamily="18" charset="0"/>
                             </a:rPr>
-                            <m:t>𝐷</m:t>
+                            <m:t>𝑑</m:t>
                           </m:r>
                           <m:r>
-                            <a:rPr lang="en-IN" sz="1400" b="0" i="1" smtClean="0">
+                            <a:rPr lang="en-IN" sz="1400" i="1">
                               <a:latin typeface="Cambria Math" panose="02040503050406030204" pitchFamily="18" charset="0"/>
                               <a:ea typeface="Cambria Math" panose="02040503050406030204" pitchFamily="18" charset="0"/>
                             </a:rPr>
-                            <m:t>−1</m:t>
+                            <m:t>−</m:t>
+                          </m:r>
+                          <m:d>
+                            <m:dPr>
+                              <m:ctrlPr>
+                                <a:rPr lang="en-IN" sz="1400" i="1">
+                                  <a:latin typeface="Cambria Math" panose="02040503050406030204" pitchFamily="18" charset="0"/>
+                                  <a:ea typeface="Cambria Math" panose="02040503050406030204" pitchFamily="18" charset="0"/>
+                                </a:rPr>
+                              </m:ctrlPr>
+                            </m:dPr>
+                            <m:e>
+                              <m:r>
+                                <a:rPr lang="en-IN" sz="1400" i="1">
+                                  <a:latin typeface="Cambria Math" panose="02040503050406030204" pitchFamily="18" charset="0"/>
+                                  <a:ea typeface="Cambria Math" panose="02040503050406030204" pitchFamily="18" charset="0"/>
+                                </a:rPr>
+                                <m:t>𝐷</m:t>
+                              </m:r>
+                              <m:r>
+                                <a:rPr lang="en-IN" sz="1400" i="1">
+                                  <a:latin typeface="Cambria Math" panose="02040503050406030204" pitchFamily="18" charset="0"/>
+                                  <a:ea typeface="Cambria Math" panose="02040503050406030204" pitchFamily="18" charset="0"/>
+                                </a:rPr>
+                                <m:t>−1</m:t>
+                              </m:r>
+                            </m:e>
+                          </m:d>
+                          <m:r>
+                            <a:rPr lang="en-IN" sz="1400" i="1">
+                              <a:latin typeface="Cambria Math" panose="02040503050406030204" pitchFamily="18" charset="0"/>
+                              <a:ea typeface="Cambria Math" panose="02040503050406030204" pitchFamily="18" charset="0"/>
+                            </a:rPr>
+                            <m:t>, </m:t>
+                          </m:r>
+                          <m:r>
+                            <a:rPr lang="en-IN" sz="1400" i="1">
+                              <a:latin typeface="Cambria Math" panose="02040503050406030204" pitchFamily="18" charset="0"/>
+                              <a:ea typeface="Cambria Math" panose="02040503050406030204" pitchFamily="18" charset="0"/>
+                            </a:rPr>
+                            <m:t>𝑑</m:t>
+                          </m:r>
+                          <m:r>
+                            <a:rPr lang="en-IN" sz="1400" i="1">
+                              <a:latin typeface="Cambria Math" panose="02040503050406030204" pitchFamily="18" charset="0"/>
+                              <a:ea typeface="Cambria Math" panose="02040503050406030204" pitchFamily="18" charset="0"/>
+                            </a:rPr>
+                            <m:t>−</m:t>
+                          </m:r>
+                          <m:d>
+                            <m:dPr>
+                              <m:ctrlPr>
+                                <a:rPr lang="en-IN" sz="1400" i="1">
+                                  <a:latin typeface="Cambria Math" panose="02040503050406030204" pitchFamily="18" charset="0"/>
+                                  <a:ea typeface="Cambria Math" panose="02040503050406030204" pitchFamily="18" charset="0"/>
+                                </a:rPr>
+                              </m:ctrlPr>
+                            </m:dPr>
+                            <m:e>
+                              <m:r>
+                                <a:rPr lang="en-IN" sz="1400" i="1">
+                                  <a:latin typeface="Cambria Math" panose="02040503050406030204" pitchFamily="18" charset="0"/>
+                                  <a:ea typeface="Cambria Math" panose="02040503050406030204" pitchFamily="18" charset="0"/>
+                                </a:rPr>
+                                <m:t>𝐷</m:t>
+                              </m:r>
+                              <m:r>
+                                <a:rPr lang="en-IN" sz="1400" i="1">
+                                  <a:latin typeface="Cambria Math" panose="02040503050406030204" pitchFamily="18" charset="0"/>
+                                  <a:ea typeface="Cambria Math" panose="02040503050406030204" pitchFamily="18" charset="0"/>
+                                </a:rPr>
+                                <m:t>−2</m:t>
+                              </m:r>
+                            </m:e>
+                          </m:d>
+                          <m:r>
+                            <a:rPr lang="en-IN" sz="1400" i="1">
+                              <a:latin typeface="Cambria Math" panose="02040503050406030204" pitchFamily="18" charset="0"/>
+                              <a:ea typeface="Cambria Math" panose="02040503050406030204" pitchFamily="18" charset="0"/>
+                            </a:rPr>
+                            <m:t>,…,</m:t>
+                          </m:r>
+                          <m:r>
+                            <a:rPr lang="en-IN" sz="1400" i="1">
+                              <a:latin typeface="Cambria Math" panose="02040503050406030204" pitchFamily="18" charset="0"/>
+                              <a:ea typeface="Cambria Math" panose="02040503050406030204" pitchFamily="18" charset="0"/>
+                            </a:rPr>
+                            <m:t>𝑑</m:t>
+                          </m:r>
+                          <m:r>
+                            <a:rPr lang="en-IN" sz="1400" i="1">
+                              <a:latin typeface="Cambria Math" panose="02040503050406030204" pitchFamily="18" charset="0"/>
+                              <a:ea typeface="Cambria Math" panose="02040503050406030204" pitchFamily="18" charset="0"/>
+                            </a:rPr>
+                            <m:t>−1,</m:t>
+                          </m:r>
+                          <m:r>
+                            <a:rPr lang="en-IN" sz="1400" i="1">
+                              <a:latin typeface="Cambria Math" panose="02040503050406030204" pitchFamily="18" charset="0"/>
+                              <a:ea typeface="Cambria Math" panose="02040503050406030204" pitchFamily="18" charset="0"/>
+                            </a:rPr>
+                            <m:t>𝑑</m:t>
                           </m:r>
                         </m:e>
                       </m:d>
-                      <m:r>
-                        <a:rPr lang="en-IN" sz="1400" b="0" i="1" smtClean="0">
-                          <a:latin typeface="Cambria Math" panose="02040503050406030204" pitchFamily="18" charset="0"/>
-                          <a:ea typeface="Cambria Math" panose="02040503050406030204" pitchFamily="18" charset="0"/>
-                        </a:rPr>
-                        <m:t>, </m:t>
-                      </m:r>
-                      <m:r>
-                        <a:rPr lang="en-IN" sz="1400" b="0" i="1" smtClean="0">
-                          <a:latin typeface="Cambria Math" panose="02040503050406030204" pitchFamily="18" charset="0"/>
-                          <a:ea typeface="Cambria Math" panose="02040503050406030204" pitchFamily="18" charset="0"/>
-                        </a:rPr>
-                        <m:t>𝑑</m:t>
-                      </m:r>
-                      <m:r>
-                        <a:rPr lang="en-IN" sz="1400" b="0" i="1" smtClean="0">
-                          <a:latin typeface="Cambria Math" panose="02040503050406030204" pitchFamily="18" charset="0"/>
-                          <a:ea typeface="Cambria Math" panose="02040503050406030204" pitchFamily="18" charset="0"/>
-                        </a:rPr>
-                        <m:t>−</m:t>
-                      </m:r>
-                      <m:d>
-                        <m:dPr>
-                          <m:ctrlPr>
-                            <a:rPr lang="en-IN" sz="1400" b="0" i="1" smtClean="0">
-                              <a:latin typeface="Cambria Math" panose="02040503050406030204" pitchFamily="18" charset="0"/>
-                              <a:ea typeface="Cambria Math" panose="02040503050406030204" pitchFamily="18" charset="0"/>
-                            </a:rPr>
-                          </m:ctrlPr>
-                        </m:dPr>
-                        <m:e>
-                          <m:r>
-                            <a:rPr lang="en-IN" sz="1400" b="0" i="1" smtClean="0">
-                              <a:latin typeface="Cambria Math" panose="02040503050406030204" pitchFamily="18" charset="0"/>
-                              <a:ea typeface="Cambria Math" panose="02040503050406030204" pitchFamily="18" charset="0"/>
-                            </a:rPr>
-                            <m:t>𝐷</m:t>
-                          </m:r>
-                          <m:r>
-                            <a:rPr lang="en-IN" sz="1400" b="0" i="1" smtClean="0">
-                              <a:latin typeface="Cambria Math" panose="02040503050406030204" pitchFamily="18" charset="0"/>
-                              <a:ea typeface="Cambria Math" panose="02040503050406030204" pitchFamily="18" charset="0"/>
-                            </a:rPr>
-                            <m:t>−2</m:t>
-                          </m:r>
-                        </m:e>
-                      </m:d>
-                      <m:r>
-                        <a:rPr lang="en-IN" sz="1400" b="0" i="1" smtClean="0">
-                          <a:latin typeface="Cambria Math" panose="02040503050406030204" pitchFamily="18" charset="0"/>
-                          <a:ea typeface="Cambria Math" panose="02040503050406030204" pitchFamily="18" charset="0"/>
-                        </a:rPr>
-                        <m:t>,…,</m:t>
-                      </m:r>
-                      <m:r>
-                        <a:rPr lang="en-IN" sz="1400" b="0" i="1" smtClean="0">
-                          <a:latin typeface="Cambria Math" panose="02040503050406030204" pitchFamily="18" charset="0"/>
-                          <a:ea typeface="Cambria Math" panose="02040503050406030204" pitchFamily="18" charset="0"/>
-                        </a:rPr>
-                        <m:t>𝑑</m:t>
-                      </m:r>
-                      <m:r>
-                        <a:rPr lang="en-IN" sz="1400" b="0" i="1" smtClean="0">
-                          <a:latin typeface="Cambria Math" panose="02040503050406030204" pitchFamily="18" charset="0"/>
-                          <a:ea typeface="Cambria Math" panose="02040503050406030204" pitchFamily="18" charset="0"/>
-                        </a:rPr>
-                        <m:t>−1,</m:t>
-                      </m:r>
-                      <m:r>
-                        <a:rPr lang="en-IN" sz="1400" b="0" i="1" smtClean="0">
-                          <a:latin typeface="Cambria Math" panose="02040503050406030204" pitchFamily="18" charset="0"/>
-                          <a:ea typeface="Cambria Math" panose="02040503050406030204" pitchFamily="18" charset="0"/>
-                        </a:rPr>
-                        <m:t>𝑑</m:t>
-                      </m:r>
                     </m:oMath>
                   </m:oMathPara>
                 </a14:m>
@@ -11315,8 +11329,8 @@
           </p:sp>
         </mc:Fallback>
       </mc:AlternateContent>
-      <mc:AlternateContent xmlns:mc="http://schemas.openxmlformats.org/markup-compatibility/2006">
-        <mc:Choice xmlns:a14="http://schemas.microsoft.com/office/drawing/2010/main" Requires="a14">
+      <mc:AlternateContent xmlns:mc="http://schemas.openxmlformats.org/markup-compatibility/2006" xmlns:a14="http://schemas.microsoft.com/office/drawing/2010/main">
+        <mc:Choice Requires="a14">
           <p:sp>
             <p:nvSpPr>
               <p:cNvPr id="5" name="Shape 93">
@@ -11637,7 +11651,7 @@
             </p:txBody>
           </p:sp>
         </mc:Choice>
-        <mc:Fallback>
+        <mc:Fallback xmlns="">
           <p:sp>
             <p:nvSpPr>
               <p:cNvPr id="5" name="Shape 93">
@@ -12055,13 +12069,13 @@
   <p:clrMapOvr>
     <a:masterClrMapping/>
   </p:clrMapOvr>
-  <mc:AlternateContent xmlns:mc="http://schemas.openxmlformats.org/markup-compatibility/2006">
-    <mc:Choice xmlns:p14="http://schemas.microsoft.com/office/powerpoint/2010/main" Requires="p14">
+  <mc:AlternateContent xmlns:mc="http://schemas.openxmlformats.org/markup-compatibility/2006" xmlns:p14="http://schemas.microsoft.com/office/powerpoint/2010/main">
+    <mc:Choice Requires="p14">
       <p:transition p14:dur="250">
         <p:push dir="d"/>
       </p:transition>
     </mc:Choice>
-    <mc:Fallback>
+    <mc:Fallback xmlns="">
       <p:transition>
         <p:push dir="d"/>
       </p:transition>
@@ -12622,8 +12636,8 @@
           </a:p>
         </p:txBody>
       </p:sp>
-      <mc:AlternateContent xmlns:mc="http://schemas.openxmlformats.org/markup-compatibility/2006">
-        <mc:Choice xmlns:a14="http://schemas.microsoft.com/office/drawing/2010/main" Requires="a14">
+      <mc:AlternateContent xmlns:mc="http://schemas.openxmlformats.org/markup-compatibility/2006" xmlns:a14="http://schemas.microsoft.com/office/drawing/2010/main">
+        <mc:Choice Requires="a14">
           <p:sp>
             <p:nvSpPr>
               <p:cNvPr id="7" name="Shape 93">
@@ -12957,7 +12971,7 @@
             </p:txBody>
           </p:sp>
         </mc:Choice>
-        <mc:Fallback>
+        <mc:Fallback xmlns="">
           <p:sp>
             <p:nvSpPr>
               <p:cNvPr id="7" name="Shape 93">
@@ -13394,13 +13408,13 @@
   <p:clrMapOvr>
     <a:masterClrMapping/>
   </p:clrMapOvr>
-  <mc:AlternateContent xmlns:mc="http://schemas.openxmlformats.org/markup-compatibility/2006">
-    <mc:Choice xmlns:p14="http://schemas.microsoft.com/office/powerpoint/2010/main" Requires="p14">
+  <mc:AlternateContent xmlns:mc="http://schemas.openxmlformats.org/markup-compatibility/2006" xmlns:p14="http://schemas.microsoft.com/office/powerpoint/2010/main">
+    <mc:Choice Requires="p14">
       <p:transition p14:dur="250">
         <p:push dir="d"/>
       </p:transition>
     </mc:Choice>
-    <mc:Fallback>
+    <mc:Fallback xmlns="">
       <p:transition>
         <p:push dir="d"/>
       </p:transition>
@@ -13918,13 +13932,13 @@
   <p:clrMapOvr>
     <a:masterClrMapping/>
   </p:clrMapOvr>
-  <mc:AlternateContent xmlns:mc="http://schemas.openxmlformats.org/markup-compatibility/2006">
-    <mc:Choice xmlns:p14="http://schemas.microsoft.com/office/powerpoint/2010/main" Requires="p14">
+  <mc:AlternateContent xmlns:mc="http://schemas.openxmlformats.org/markup-compatibility/2006" xmlns:p14="http://schemas.microsoft.com/office/powerpoint/2010/main">
+    <mc:Choice Requires="p14">
       <p:transition p14:dur="250">
         <p:cover/>
       </p:transition>
     </mc:Choice>
-    <mc:Fallback>
+    <mc:Fallback xmlns="">
       <p:transition>
         <p:cover/>
       </p:transition>
@@ -14065,13 +14079,13 @@
   <p:clrMapOvr>
     <a:masterClrMapping/>
   </p:clrMapOvr>
-  <mc:AlternateContent xmlns:mc="http://schemas.openxmlformats.org/markup-compatibility/2006">
-    <mc:Choice xmlns:p14="http://schemas.microsoft.com/office/powerpoint/2010/main" Requires="p14">
+  <mc:AlternateContent xmlns:mc="http://schemas.openxmlformats.org/markup-compatibility/2006" xmlns:p14="http://schemas.microsoft.com/office/powerpoint/2010/main">
+    <mc:Choice Requires="p14">
       <p:transition p14:dur="250">
         <p:push dir="d"/>
       </p:transition>
     </mc:Choice>
-    <mc:Fallback>
+    <mc:Fallback xmlns="">
       <p:transition>
         <p:push dir="d"/>
       </p:transition>
@@ -14289,260 +14303,6 @@
 </file>
 
 <file path=ppt/slides/slide16.xml><?xml version="1.0" encoding="utf-8"?>
-<p:sld xmlns:a="http://schemas.openxmlformats.org/drawingml/2006/main" xmlns:r="http://schemas.openxmlformats.org/officeDocument/2006/relationships" xmlns:p="http://schemas.openxmlformats.org/presentationml/2006/main">
-  <p:cSld>
-    <p:spTree>
-      <p:nvGrpSpPr>
-        <p:cNvPr id="1" name=""/>
-        <p:cNvGrpSpPr/>
-        <p:nvPr/>
-      </p:nvGrpSpPr>
-      <p:grpSpPr>
-        <a:xfrm>
-          <a:off x="0" y="0"/>
-          <a:ext cx="0" cy="0"/>
-          <a:chOff x="0" y="0"/>
-          <a:chExt cx="0" cy="0"/>
-        </a:xfrm>
-      </p:grpSpPr>
-      <p:sp>
-        <p:nvSpPr>
-          <p:cNvPr id="2" name="Title 1"/>
-          <p:cNvSpPr>
-            <a:spLocks noGrp="1"/>
-          </p:cNvSpPr>
-          <p:nvPr>
-            <p:ph type="title"/>
-          </p:nvPr>
-        </p:nvSpPr>
-        <p:spPr>
-          <a:xfrm>
-            <a:off x="601589" y="53203"/>
-            <a:ext cx="5766525" cy="535200"/>
-          </a:xfrm>
-        </p:spPr>
-        <p:txBody>
-          <a:bodyPr>
-            <a:normAutofit fontScale="90000"/>
-          </a:bodyPr>
-          <a:lstStyle/>
-          <a:p>
-            <a:pPr algn="ctr"/>
-            <a:r>
-              <a:rPr lang="en-IN" dirty="0">
-                <a:latin typeface="OCR A Extended" panose="02010509020102010303" pitchFamily="50" charset="0"/>
-              </a:rPr>
-              <a:t>50% Duty cycle</a:t>
-            </a:r>
-            <a:br>
-              <a:rPr lang="en-IN" dirty="0">
-                <a:latin typeface="OCR A Extended" panose="02010509020102010303" pitchFamily="50" charset="0"/>
-              </a:rPr>
-            </a:br>
-            <a:endParaRPr lang="en-IN" dirty="0">
-              <a:latin typeface="OCR A Extended" panose="02010509020102010303" pitchFamily="50" charset="0"/>
-            </a:endParaRPr>
-          </a:p>
-        </p:txBody>
-      </p:sp>
-      <p:pic>
-        <p:nvPicPr>
-          <p:cNvPr id="3074" name="Picture 2"/>
-          <p:cNvPicPr>
-            <a:picLocks noChangeAspect="1" noChangeArrowheads="1"/>
-          </p:cNvPicPr>
-          <p:nvPr/>
-        </p:nvPicPr>
-        <p:blipFill>
-          <a:blip r:embed="rId2"/>
-          <a:srcRect/>
-          <a:stretch>
-            <a:fillRect/>
-          </a:stretch>
-        </p:blipFill>
-        <p:spPr bwMode="auto">
-          <a:xfrm>
-            <a:off x="601589" y="1089196"/>
-            <a:ext cx="5357850" cy="3536181"/>
-          </a:xfrm>
-          <a:prstGeom prst="rect">
-            <a:avLst/>
-          </a:prstGeom>
-          <a:noFill/>
-          <a:ln w="9525">
-            <a:noFill/>
-            <a:miter lim="800000"/>
-            <a:headEnd/>
-            <a:tailEnd/>
-          </a:ln>
-          <a:effectLst/>
-        </p:spPr>
-      </p:pic>
-    </p:spTree>
-    <p:extLst>
-      <p:ext uri="{BB962C8B-B14F-4D97-AF65-F5344CB8AC3E}">
-        <p14:creationId xmlns:p14="http://schemas.microsoft.com/office/powerpoint/2010/main" val="3160577421"/>
-      </p:ext>
-    </p:extLst>
-  </p:cSld>
-  <p:clrMapOvr>
-    <a:masterClrMapping/>
-  </p:clrMapOvr>
-  <mc:AlternateContent xmlns:mc="http://schemas.openxmlformats.org/markup-compatibility/2006">
-    <mc:Choice xmlns:p14="http://schemas.microsoft.com/office/powerpoint/2010/main" Requires="p14">
-      <p:transition p14:dur="250">
-        <p:push dir="d"/>
-      </p:transition>
-    </mc:Choice>
-    <mc:Fallback>
-      <p:transition>
-        <p:push dir="d"/>
-      </p:transition>
-    </mc:Fallback>
-  </mc:AlternateContent>
-  <p:timing>
-    <p:tnLst>
-      <p:par>
-        <p:cTn id="1" dur="indefinite" restart="never" nodeType="tmRoot">
-          <p:childTnLst>
-            <p:seq concurrent="1" nextAc="seek">
-              <p:cTn id="2" dur="indefinite" nodeType="mainSeq">
-                <p:childTnLst>
-                  <p:par>
-                    <p:cTn id="3" fill="hold">
-                      <p:stCondLst>
-                        <p:cond delay="indefinite"/>
-                      </p:stCondLst>
-                      <p:childTnLst>
-                        <p:par>
-                          <p:cTn id="4" fill="hold">
-                            <p:stCondLst>
-                              <p:cond delay="0"/>
-                            </p:stCondLst>
-                            <p:childTnLst>
-                              <p:par>
-                                <p:cTn id="5" presetID="10" presetClass="entr" presetSubtype="0" fill="hold" grpId="0" nodeType="clickEffect">
-                                  <p:stCondLst>
-                                    <p:cond delay="0"/>
-                                  </p:stCondLst>
-                                  <p:childTnLst>
-                                    <p:set>
-                                      <p:cBhvr>
-                                        <p:cTn id="6" dur="1" fill="hold">
-                                          <p:stCondLst>
-                                            <p:cond delay="0"/>
-                                          </p:stCondLst>
-                                        </p:cTn>
-                                        <p:tgtEl>
-                                          <p:spTgt spid="2"/>
-                                        </p:tgtEl>
-                                        <p:attrNameLst>
-                                          <p:attrName>style.visibility</p:attrName>
-                                        </p:attrNameLst>
-                                      </p:cBhvr>
-                                      <p:to>
-                                        <p:strVal val="visible"/>
-                                      </p:to>
-                                    </p:set>
-                                    <p:animEffect transition="in" filter="fade">
-                                      <p:cBhvr>
-                                        <p:cTn id="7" dur="250"/>
-                                        <p:tgtEl>
-                                          <p:spTgt spid="2"/>
-                                        </p:tgtEl>
-                                      </p:cBhvr>
-                                    </p:animEffect>
-                                  </p:childTnLst>
-                                </p:cTn>
-                              </p:par>
-                            </p:childTnLst>
-                          </p:cTn>
-                        </p:par>
-                      </p:childTnLst>
-                    </p:cTn>
-                  </p:par>
-                  <p:par>
-                    <p:cTn id="8" fill="hold">
-                      <p:stCondLst>
-                        <p:cond delay="indefinite"/>
-                      </p:stCondLst>
-                      <p:childTnLst>
-                        <p:par>
-                          <p:cTn id="9" fill="hold">
-                            <p:stCondLst>
-                              <p:cond delay="0"/>
-                            </p:stCondLst>
-                            <p:childTnLst>
-                              <p:par>
-                                <p:cTn id="10" presetID="10" presetClass="entr" presetSubtype="0" fill="hold" nodeType="clickEffect">
-                                  <p:stCondLst>
-                                    <p:cond delay="0"/>
-                                  </p:stCondLst>
-                                  <p:childTnLst>
-                                    <p:set>
-                                      <p:cBhvr>
-                                        <p:cTn id="11" dur="1" fill="hold">
-                                          <p:stCondLst>
-                                            <p:cond delay="0"/>
-                                          </p:stCondLst>
-                                        </p:cTn>
-                                        <p:tgtEl>
-                                          <p:spTgt spid="3074"/>
-                                        </p:tgtEl>
-                                        <p:attrNameLst>
-                                          <p:attrName>style.visibility</p:attrName>
-                                        </p:attrNameLst>
-                                      </p:cBhvr>
-                                      <p:to>
-                                        <p:strVal val="visible"/>
-                                      </p:to>
-                                    </p:set>
-                                    <p:animEffect transition="in" filter="fade">
-                                      <p:cBhvr>
-                                        <p:cTn id="12" dur="250"/>
-                                        <p:tgtEl>
-                                          <p:spTgt spid="3074"/>
-                                        </p:tgtEl>
-                                      </p:cBhvr>
-                                    </p:animEffect>
-                                  </p:childTnLst>
-                                </p:cTn>
-                              </p:par>
-                            </p:childTnLst>
-                          </p:cTn>
-                        </p:par>
-                      </p:childTnLst>
-                    </p:cTn>
-                  </p:par>
-                </p:childTnLst>
-              </p:cTn>
-              <p:prevCondLst>
-                <p:cond evt="onPrev" delay="0">
-                  <p:tgtEl>
-                    <p:sldTgt/>
-                  </p:tgtEl>
-                </p:cond>
-              </p:prevCondLst>
-              <p:nextCondLst>
-                <p:cond evt="onNext" delay="0">
-                  <p:tgtEl>
-                    <p:sldTgt/>
-                  </p:tgtEl>
-                </p:cond>
-              </p:nextCondLst>
-            </p:seq>
-          </p:childTnLst>
-        </p:cTn>
-      </p:par>
-    </p:tnLst>
-    <p:bldLst>
-      <p:bldP spid="2" grpId="0"/>
-    </p:bldLst>
-  </p:timing>
-</p:sld>
-</file>
-
-<file path=ppt/slides/slide17.xml><?xml version="1.0" encoding="utf-8"?>
 <p:sld xmlns:a="http://schemas.openxmlformats.org/drawingml/2006/main" xmlns:r="http://schemas.openxmlformats.org/officeDocument/2006/relationships" xmlns:p="http://schemas.openxmlformats.org/presentationml/2006/main">
   <p:cSld>
     <p:spTree>
@@ -14800,13 +14560,7 @@
                       <a:rPr lang="en-US" b="0" i="1" smtClean="0">
                         <a:latin typeface="Cambria Math" panose="02040503050406030204" pitchFamily="18" charset="0"/>
                       </a:rPr>
-                      <m:t>𝑇𝑜𝑓</m:t>
-                    </m:r>
-                    <m:r>
-                      <a:rPr lang="en-US" b="0" i="1" baseline="-25000" smtClean="0">
-                        <a:latin typeface="Cambria Math" panose="02040503050406030204" pitchFamily="18" charset="0"/>
-                      </a:rPr>
-                      <m:t>𝑓</m:t>
+                      <m:t>𝑇𝑜𝑓𝑓</m:t>
                     </m:r>
                   </m:oMath>
                 </a14:m>
@@ -14965,13 +14719,13 @@
   <p:clrMapOvr>
     <a:masterClrMapping/>
   </p:clrMapOvr>
-  <mc:AlternateContent xmlns:mc="http://schemas.openxmlformats.org/markup-compatibility/2006">
-    <mc:Choice xmlns:p14="http://schemas.microsoft.com/office/powerpoint/2010/main" Requires="p14">
+  <mc:AlternateContent xmlns:mc="http://schemas.openxmlformats.org/markup-compatibility/2006" xmlns:p14="http://schemas.microsoft.com/office/powerpoint/2010/main">
+    <mc:Choice Requires="p14">
       <p:transition p14:dur="250">
         <p:push dir="d"/>
       </p:transition>
     </mc:Choice>
-    <mc:Fallback>
+    <mc:Fallback xmlns="">
       <p:transition>
         <p:push dir="d"/>
       </p:transition>
@@ -15372,7 +15126,7 @@
 </p:sld>
 </file>
 
-<file path=ppt/slides/slide18.xml><?xml version="1.0" encoding="utf-8"?>
+<file path=ppt/slides/slide17.xml><?xml version="1.0" encoding="utf-8"?>
 <p:sld xmlns:a="http://schemas.openxmlformats.org/drawingml/2006/main" xmlns:r="http://schemas.openxmlformats.org/officeDocument/2006/relationships" xmlns:p="http://schemas.openxmlformats.org/presentationml/2006/main">
   <p:cSld>
     <p:spTree>
@@ -15389,9 +15143,53 @@
           <a:chExt cx="0" cy="0"/>
         </a:xfrm>
       </p:grpSpPr>
+      <p:sp>
+        <p:nvSpPr>
+          <p:cNvPr id="2" name="Title 1"/>
+          <p:cNvSpPr>
+            <a:spLocks noGrp="1"/>
+          </p:cNvSpPr>
+          <p:nvPr>
+            <p:ph type="title"/>
+          </p:nvPr>
+        </p:nvSpPr>
+        <p:spPr>
+          <a:xfrm>
+            <a:off x="601589" y="53203"/>
+            <a:ext cx="5766525" cy="535200"/>
+          </a:xfrm>
+        </p:spPr>
+        <p:txBody>
+          <a:bodyPr>
+            <a:normAutofit/>
+          </a:bodyPr>
+          <a:lstStyle/>
+          <a:p>
+            <a:pPr algn="ctr"/>
+            <a:r>
+              <a:rPr lang="en-IN">
+                <a:latin typeface="OCR A Extended" panose="02010509020102010303" pitchFamily="50" charset="0"/>
+              </a:rPr>
+              <a:t> </a:t>
+            </a:r>
+            <a:r>
+              <a:rPr lang="en-IN" dirty="0">
+                <a:latin typeface="OCR A Extended" panose="02010509020102010303" pitchFamily="50" charset="0"/>
+              </a:rPr>
+              <a:t>Circuit</a:t>
+            </a:r>
+          </a:p>
+        </p:txBody>
+      </p:sp>
       <p:pic>
         <p:nvPicPr>
-          <p:cNvPr id="1027" name="Picture 3"/>
+          <p:cNvPr id="4" name="Picture 3">
+            <a:extLst>
+              <a:ext uri="{FF2B5EF4-FFF2-40B4-BE49-F238E27FC236}">
+                <a16:creationId xmlns:a16="http://schemas.microsoft.com/office/drawing/2014/main" id="{4CCBF116-EF87-4C97-BB4C-9C1C8678A71D}"/>
+              </a:ext>
+            </a:extLst>
+          </p:cNvPr>
           <p:cNvPicPr>
             <a:picLocks noChangeAspect="1" noChangeArrowheads="1"/>
           </p:cNvPicPr>
@@ -15406,7 +15204,7 @@
         </p:blipFill>
         <p:spPr bwMode="auto">
           <a:xfrm>
-            <a:off x="642919" y="750082"/>
+            <a:off x="601589" y="986251"/>
             <a:ext cx="5357849" cy="3911231"/>
           </a:xfrm>
           <a:prstGeom prst="rect">
@@ -15425,20 +15223,20 @@
     </p:spTree>
     <p:extLst>
       <p:ext uri="{BB962C8B-B14F-4D97-AF65-F5344CB8AC3E}">
-        <p14:creationId xmlns:p14="http://schemas.microsoft.com/office/powerpoint/2010/main" val="447029741"/>
+        <p14:creationId xmlns:p14="http://schemas.microsoft.com/office/powerpoint/2010/main" val="1232704242"/>
       </p:ext>
     </p:extLst>
   </p:cSld>
   <p:clrMapOvr>
     <a:masterClrMapping/>
   </p:clrMapOvr>
-  <mc:AlternateContent xmlns:mc="http://schemas.openxmlformats.org/markup-compatibility/2006">
-    <mc:Choice xmlns:p14="http://schemas.microsoft.com/office/powerpoint/2010/main" Requires="p14">
+  <mc:AlternateContent xmlns:mc="http://schemas.openxmlformats.org/markup-compatibility/2006" xmlns:p14="http://schemas.microsoft.com/office/powerpoint/2010/main">
+    <mc:Choice Requires="p14">
       <p:transition p14:dur="250">
         <p:push dir="d"/>
       </p:transition>
     </mc:Choice>
-    <mc:Fallback>
+    <mc:Fallback xmlns="">
       <p:transition>
         <p:push dir="d"/>
       </p:transition>
@@ -15465,7 +15263,7 @@
                             </p:stCondLst>
                             <p:childTnLst>
                               <p:par>
-                                <p:cTn id="5" presetID="10" presetClass="entr" presetSubtype="0" fill="hold" nodeType="clickEffect">
+                                <p:cTn id="5" presetID="10" presetClass="entr" presetSubtype="0" fill="hold" grpId="0" nodeType="clickEffect">
                                   <p:stCondLst>
                                     <p:cond delay="0"/>
                                   </p:stCondLst>
@@ -15478,7 +15276,7 @@
                                           </p:stCondLst>
                                         </p:cTn>
                                         <p:tgtEl>
-                                          <p:spTgt spid="1027"/>
+                                          <p:spTgt spid="2"/>
                                         </p:tgtEl>
                                         <p:attrNameLst>
                                           <p:attrName>style.visibility</p:attrName>
@@ -15492,7 +15290,60 @@
                                       <p:cBhvr>
                                         <p:cTn id="7" dur="250"/>
                                         <p:tgtEl>
-                                          <p:spTgt spid="1027"/>
+                                          <p:spTgt spid="2"/>
+                                        </p:tgtEl>
+                                      </p:cBhvr>
+                                    </p:animEffect>
+                                  </p:childTnLst>
+                                </p:cTn>
+                              </p:par>
+                            </p:childTnLst>
+                          </p:cTn>
+                        </p:par>
+                      </p:childTnLst>
+                    </p:cTn>
+                  </p:par>
+                  <p:par>
+                    <p:cTn id="8" fill="hold">
+                      <p:stCondLst>
+                        <p:cond delay="indefinite"/>
+                      </p:stCondLst>
+                      <p:childTnLst>
+                        <p:par>
+                          <p:cTn id="9" fill="hold">
+                            <p:stCondLst>
+                              <p:cond delay="0"/>
+                            </p:stCondLst>
+                            <p:childTnLst>
+                              <p:par>
+                                <p:cTn id="10" presetID="10" presetClass="entr" presetSubtype="0" fill="hold" nodeType="clickEffect">
+                                  <p:stCondLst>
+                                    <p:cond delay="0"/>
+                                  </p:stCondLst>
+                                  <p:childTnLst>
+                                    <p:set>
+                                      <p:cBhvr>
+                                        <p:cTn id="11" dur="1" fill="hold">
+                                          <p:stCondLst>
+                                            <p:cond delay="0"/>
+                                          </p:stCondLst>
+                                        </p:cTn>
+                                        <p:tgtEl>
+                                          <p:spTgt spid="4"/>
+                                        </p:tgtEl>
+                                        <p:attrNameLst>
+                                          <p:attrName>style.visibility</p:attrName>
+                                        </p:attrNameLst>
+                                      </p:cBhvr>
+                                      <p:to>
+                                        <p:strVal val="visible"/>
+                                      </p:to>
+                                    </p:set>
+                                    <p:animEffect transition="in" filter="fade">
+                                      <p:cBhvr>
+                                        <p:cTn id="12" dur="250"/>
+                                        <p:tgtEl>
+                                          <p:spTgt spid="4"/>
                                         </p:tgtEl>
                                       </p:cBhvr>
                                     </p:animEffect>
@@ -15526,6 +15377,208 @@
         </p:cTn>
       </p:par>
     </p:tnLst>
+    <p:bldLst>
+      <p:bldP spid="2" grpId="0"/>
+    </p:bldLst>
+  </p:timing>
+</p:sld>
+</file>
+
+<file path=ppt/slides/slide18.xml><?xml version="1.0" encoding="utf-8"?>
+<p:sld xmlns:a="http://schemas.openxmlformats.org/drawingml/2006/main" xmlns:r="http://schemas.openxmlformats.org/officeDocument/2006/relationships" xmlns:p="http://schemas.openxmlformats.org/presentationml/2006/main">
+  <p:cSld>
+    <p:spTree>
+      <p:nvGrpSpPr>
+        <p:cNvPr id="1" name=""/>
+        <p:cNvGrpSpPr/>
+        <p:nvPr/>
+      </p:nvGrpSpPr>
+      <p:grpSpPr>
+        <a:xfrm>
+          <a:off x="0" y="0"/>
+          <a:ext cx="0" cy="0"/>
+          <a:chOff x="0" y="0"/>
+          <a:chExt cx="0" cy="0"/>
+        </a:xfrm>
+      </p:grpSpPr>
+      <p:sp>
+        <p:nvSpPr>
+          <p:cNvPr id="2" name="Title 1"/>
+          <p:cNvSpPr>
+            <a:spLocks noGrp="1"/>
+          </p:cNvSpPr>
+          <p:nvPr>
+            <p:ph type="title"/>
+          </p:nvPr>
+        </p:nvSpPr>
+        <p:spPr>
+          <a:xfrm>
+            <a:off x="601589" y="53203"/>
+            <a:ext cx="5766525" cy="535200"/>
+          </a:xfrm>
+        </p:spPr>
+        <p:txBody>
+          <a:bodyPr>
+            <a:normAutofit/>
+          </a:bodyPr>
+          <a:lstStyle/>
+          <a:p>
+            <a:pPr algn="ctr"/>
+            <a:r>
+              <a:rPr lang="en-IN" dirty="0">
+                <a:latin typeface="OCR A Extended" panose="02010509020102010303" pitchFamily="50" charset="0"/>
+              </a:rPr>
+              <a:t>Old Circuit</a:t>
+            </a:r>
+          </a:p>
+        </p:txBody>
+      </p:sp>
+      <p:pic>
+        <p:nvPicPr>
+          <p:cNvPr id="4" name="Picture 2">
+            <a:extLst>
+              <a:ext uri="{FF2B5EF4-FFF2-40B4-BE49-F238E27FC236}">
+                <a16:creationId xmlns:a16="http://schemas.microsoft.com/office/drawing/2014/main" id="{8AA07C65-B9DC-4EF8-A81F-E4EBF04276FD}"/>
+              </a:ext>
+            </a:extLst>
+          </p:cNvPr>
+          <p:cNvPicPr>
+            <a:picLocks noChangeAspect="1" noChangeArrowheads="1"/>
+          </p:cNvPicPr>
+          <p:nvPr/>
+        </p:nvPicPr>
+        <p:blipFill>
+          <a:blip r:embed="rId2"/>
+          <a:srcRect/>
+          <a:stretch>
+            <a:fillRect/>
+          </a:stretch>
+        </p:blipFill>
+        <p:spPr bwMode="auto">
+          <a:xfrm>
+            <a:off x="461136" y="1084038"/>
+            <a:ext cx="5766526" cy="3523988"/>
+          </a:xfrm>
+          <a:prstGeom prst="rect">
+            <a:avLst/>
+          </a:prstGeom>
+          <a:noFill/>
+          <a:ln w="9525">
+            <a:noFill/>
+            <a:miter lim="800000"/>
+            <a:headEnd/>
+            <a:tailEnd/>
+          </a:ln>
+          <a:effectLst/>
+        </p:spPr>
+      </p:pic>
+    </p:spTree>
+    <p:extLst>
+      <p:ext uri="{BB962C8B-B14F-4D97-AF65-F5344CB8AC3E}">
+        <p14:creationId xmlns:p14="http://schemas.microsoft.com/office/powerpoint/2010/main" val="3160577421"/>
+      </p:ext>
+    </p:extLst>
+  </p:cSld>
+  <p:clrMapOvr>
+    <a:masterClrMapping/>
+  </p:clrMapOvr>
+  <mc:AlternateContent xmlns:mc="http://schemas.openxmlformats.org/markup-compatibility/2006" xmlns:p14="http://schemas.microsoft.com/office/powerpoint/2010/main">
+    <mc:Choice Requires="p14">
+      <p:transition p14:dur="250">
+        <p:push dir="d"/>
+      </p:transition>
+    </mc:Choice>
+    <mc:Fallback xmlns="">
+      <p:transition>
+        <p:push dir="d"/>
+      </p:transition>
+    </mc:Fallback>
+  </mc:AlternateContent>
+  <p:timing>
+    <p:tnLst>
+      <p:par>
+        <p:cTn id="1" dur="indefinite" restart="never" nodeType="tmRoot">
+          <p:childTnLst>
+            <p:seq concurrent="1" nextAc="seek">
+              <p:cTn id="2" dur="indefinite" nodeType="mainSeq">
+                <p:childTnLst>
+                  <p:par>
+                    <p:cTn id="3" fill="hold">
+                      <p:stCondLst>
+                        <p:cond delay="indefinite"/>
+                      </p:stCondLst>
+                      <p:childTnLst>
+                        <p:par>
+                          <p:cTn id="4" fill="hold">
+                            <p:stCondLst>
+                              <p:cond delay="0"/>
+                            </p:stCondLst>
+                            <p:childTnLst>
+                              <p:par>
+                                <p:cTn id="5" presetID="10" presetClass="entr" presetSubtype="0" fill="hold" grpId="0" nodeType="clickEffect">
+                                  <p:stCondLst>
+                                    <p:cond delay="0"/>
+                                  </p:stCondLst>
+                                  <p:childTnLst>
+                                    <p:set>
+                                      <p:cBhvr>
+                                        <p:cTn id="6" dur="1" fill="hold">
+                                          <p:stCondLst>
+                                            <p:cond delay="0"/>
+                                          </p:stCondLst>
+                                        </p:cTn>
+                                        <p:tgtEl>
+                                          <p:spTgt spid="2"/>
+                                        </p:tgtEl>
+                                        <p:attrNameLst>
+                                          <p:attrName>style.visibility</p:attrName>
+                                        </p:attrNameLst>
+                                      </p:cBhvr>
+                                      <p:to>
+                                        <p:strVal val="visible"/>
+                                      </p:to>
+                                    </p:set>
+                                    <p:animEffect transition="in" filter="fade">
+                                      <p:cBhvr>
+                                        <p:cTn id="7" dur="250"/>
+                                        <p:tgtEl>
+                                          <p:spTgt spid="2"/>
+                                        </p:tgtEl>
+                                      </p:cBhvr>
+                                    </p:animEffect>
+                                  </p:childTnLst>
+                                </p:cTn>
+                              </p:par>
+                            </p:childTnLst>
+                          </p:cTn>
+                        </p:par>
+                      </p:childTnLst>
+                    </p:cTn>
+                  </p:par>
+                </p:childTnLst>
+              </p:cTn>
+              <p:prevCondLst>
+                <p:cond evt="onPrev" delay="0">
+                  <p:tgtEl>
+                    <p:sldTgt/>
+                  </p:tgtEl>
+                </p:cond>
+              </p:prevCondLst>
+              <p:nextCondLst>
+                <p:cond evt="onNext" delay="0">
+                  <p:tgtEl>
+                    <p:sldTgt/>
+                  </p:tgtEl>
+                </p:cond>
+              </p:nextCondLst>
+            </p:seq>
+          </p:childTnLst>
+        </p:cTn>
+      </p:par>
+    </p:tnLst>
+    <p:bldLst>
+      <p:bldP spid="2" grpId="0"/>
+    </p:bldLst>
   </p:timing>
 </p:sld>
 </file>
@@ -15684,13 +15737,13 @@
   <p:clrMapOvr>
     <a:masterClrMapping/>
   </p:clrMapOvr>
-  <mc:AlternateContent xmlns:mc="http://schemas.openxmlformats.org/markup-compatibility/2006">
-    <mc:Choice xmlns:p14="http://schemas.microsoft.com/office/powerpoint/2010/main" Requires="p14">
+  <mc:AlternateContent xmlns:mc="http://schemas.openxmlformats.org/markup-compatibility/2006" xmlns:p14="http://schemas.microsoft.com/office/powerpoint/2010/main">
+    <mc:Choice Requires="p14">
       <p:transition p14:dur="250">
         <p:push dir="d"/>
       </p:transition>
     </mc:Choice>
-    <mc:Fallback>
+    <mc:Fallback xmlns="">
       <p:transition>
         <p:push dir="d"/>
       </p:transition>
@@ -16176,13 +16229,13 @@
   <p:clrMapOvr>
     <a:masterClrMapping/>
   </p:clrMapOvr>
-  <mc:AlternateContent xmlns:mc="http://schemas.openxmlformats.org/markup-compatibility/2006">
-    <mc:Choice xmlns:p14="http://schemas.microsoft.com/office/powerpoint/2010/main" Requires="p14">
+  <mc:AlternateContent xmlns:mc="http://schemas.openxmlformats.org/markup-compatibility/2006" xmlns:p14="http://schemas.microsoft.com/office/powerpoint/2010/main">
+    <mc:Choice Requires="p14">
       <p:transition p14:dur="250">
         <p:push dir="d"/>
       </p:transition>
     </mc:Choice>
-    <mc:Fallback>
+    <mc:Fallback xmlns="">
       <p:transition>
         <p:push dir="d"/>
       </p:transition>
@@ -16270,13 +16323,13 @@
   <p:clrMapOvr>
     <a:masterClrMapping/>
   </p:clrMapOvr>
-  <mc:AlternateContent xmlns:mc="http://schemas.openxmlformats.org/markup-compatibility/2006">
-    <mc:Choice xmlns:p14="http://schemas.microsoft.com/office/powerpoint/2010/main" Requires="p14">
+  <mc:AlternateContent xmlns:mc="http://schemas.openxmlformats.org/markup-compatibility/2006" xmlns:p14="http://schemas.microsoft.com/office/powerpoint/2010/main">
+    <mc:Choice Requires="p14">
       <p:transition p14:dur="250">
         <p:cover/>
       </p:transition>
     </mc:Choice>
-    <mc:Fallback>
+    <mc:Fallback xmlns="">
       <p:transition>
         <p:cover/>
       </p:transition>
@@ -16358,13 +16411,13 @@
   <p:clrMapOvr>
     <a:masterClrMapping/>
   </p:clrMapOvr>
-  <mc:AlternateContent xmlns:mc="http://schemas.openxmlformats.org/markup-compatibility/2006">
-    <mc:Choice xmlns:p14="http://schemas.microsoft.com/office/powerpoint/2010/main" Requires="p14">
+  <mc:AlternateContent xmlns:mc="http://schemas.openxmlformats.org/markup-compatibility/2006" xmlns:p14="http://schemas.microsoft.com/office/powerpoint/2010/main">
+    <mc:Choice Requires="p14">
       <p:transition p14:dur="250">
         <p:cover/>
       </p:transition>
     </mc:Choice>
-    <mc:Fallback>
+    <mc:Fallback xmlns="">
       <p:transition>
         <p:cover/>
       </p:transition>
@@ -17429,13 +17482,13 @@
   <p:clrMapOvr>
     <a:masterClrMapping/>
   </p:clrMapOvr>
-  <mc:AlternateContent xmlns:mc="http://schemas.openxmlformats.org/markup-compatibility/2006">
-    <mc:Choice xmlns:p14="http://schemas.microsoft.com/office/powerpoint/2010/main" Requires="p14">
+  <mc:AlternateContent xmlns:mc="http://schemas.openxmlformats.org/markup-compatibility/2006" xmlns:p14="http://schemas.microsoft.com/office/powerpoint/2010/main">
+    <mc:Choice Requires="p14">
       <p:transition p14:dur="250">
         <p:push dir="d"/>
       </p:transition>
     </mc:Choice>
-    <mc:Fallback>
+    <mc:Fallback xmlns="">
       <p:transition>
         <p:push dir="d"/>
       </p:transition>
@@ -17733,13 +17786,13 @@
   <p:clrMapOvr>
     <a:masterClrMapping/>
   </p:clrMapOvr>
-  <mc:AlternateContent xmlns:mc="http://schemas.openxmlformats.org/markup-compatibility/2006">
-    <mc:Choice xmlns:p14="http://schemas.microsoft.com/office/powerpoint/2010/main" Requires="p14">
+  <mc:AlternateContent xmlns:mc="http://schemas.openxmlformats.org/markup-compatibility/2006" xmlns:p14="http://schemas.microsoft.com/office/powerpoint/2010/main">
+    <mc:Choice Requires="p14">
       <p:transition p14:dur="250">
         <p:cover/>
       </p:transition>
     </mc:Choice>
-    <mc:Fallback>
+    <mc:Fallback xmlns="">
       <p:transition>
         <p:cover/>
       </p:transition>
@@ -17819,8 +17872,8 @@
         </p:nvSpPr>
         <p:spPr>
           <a:xfrm>
-            <a:off x="149877" y="1532147"/>
-            <a:ext cx="6558246" cy="3111205"/>
+            <a:off x="149877" y="1138531"/>
+            <a:ext cx="6558246" cy="3687805"/>
           </a:xfrm>
           <a:prstGeom prst="rect">
             <a:avLst/>
@@ -18140,6 +18193,58 @@
               <a:t>Z-score thresholding is done as:</a:t>
             </a:r>
           </a:p>
+          <a:p>
+            <a:pPr>
+              <a:buFont typeface="Arial" panose="020B0604020202020204" pitchFamily="34" charset="0"/>
+              <a:buChar char="•"/>
+            </a:pPr>
+            <a:endParaRPr lang="en-IN" altLang="en-US" dirty="0"/>
+          </a:p>
+          <a:p>
+            <a:pPr>
+              <a:buFont typeface="Arial" panose="020B0604020202020204" pitchFamily="34" charset="0"/>
+              <a:buChar char="•"/>
+            </a:pPr>
+            <a:endParaRPr lang="en-IN" altLang="en-US" dirty="0"/>
+          </a:p>
+          <a:p>
+            <a:pPr>
+              <a:buFont typeface="Arial" panose="020B0604020202020204" pitchFamily="34" charset="0"/>
+              <a:buChar char="•"/>
+            </a:pPr>
+            <a:endParaRPr lang="en-IN" altLang="en-US" dirty="0"/>
+          </a:p>
+          <a:p>
+            <a:pPr>
+              <a:buFont typeface="Arial" panose="020B0604020202020204" pitchFamily="34" charset="0"/>
+              <a:buChar char="•"/>
+            </a:pPr>
+            <a:endParaRPr lang="en-IN" altLang="en-US" dirty="0"/>
+          </a:p>
+          <a:p>
+            <a:pPr>
+              <a:buFont typeface="Arial" panose="020B0604020202020204" pitchFamily="34" charset="0"/>
+              <a:buChar char="•"/>
+            </a:pPr>
+            <a:endParaRPr lang="en-IN" altLang="en-US" dirty="0"/>
+          </a:p>
+          <a:p>
+            <a:pPr>
+              <a:buFont typeface="Arial" panose="020B0604020202020204" pitchFamily="34" charset="0"/>
+              <a:buChar char="•"/>
+            </a:pPr>
+            <a:endParaRPr lang="en-IN" altLang="en-US" dirty="0"/>
+          </a:p>
+          <a:p>
+            <a:pPr>
+              <a:buFont typeface="Arial" panose="020B0604020202020204" pitchFamily="34" charset="0"/>
+              <a:buChar char="•"/>
+            </a:pPr>
+            <a:r>
+              <a:rPr lang="en-IN" altLang="en-US" dirty="0"/>
+              <a:t>Where</a:t>
+            </a:r>
+          </a:p>
         </p:txBody>
       </p:sp>
       <p:pic>
@@ -18164,7 +18269,7 @@
         </p:blipFill>
         <p:spPr>
           <a:xfrm>
-            <a:off x="2339419" y="3532395"/>
+            <a:off x="860629" y="2982433"/>
             <a:ext cx="2179160" cy="715037"/>
           </a:xfrm>
           <a:prstGeom prst="rect">
@@ -18174,6 +18279,36 @@
           <a:ln>
             <a:noFill/>
           </a:ln>
+        </p:spPr>
+      </p:pic>
+      <p:pic>
+        <p:nvPicPr>
+          <p:cNvPr id="3" name="Picture 2">
+            <a:extLst>
+              <a:ext uri="{FF2B5EF4-FFF2-40B4-BE49-F238E27FC236}">
+                <a16:creationId xmlns:a16="http://schemas.microsoft.com/office/drawing/2014/main" id="{0B5FA223-8B86-44D4-97C8-BB993F9F5C21}"/>
+              </a:ext>
+            </a:extLst>
+          </p:cNvPr>
+          <p:cNvPicPr>
+            <a:picLocks noChangeAspect="1"/>
+          </p:cNvPicPr>
+          <p:nvPr/>
+        </p:nvPicPr>
+        <p:blipFill>
+          <a:blip r:embed="rId4"/>
+          <a:stretch>
+            <a:fillRect/>
+          </a:stretch>
+        </p:blipFill>
+        <p:spPr>
+          <a:xfrm>
+            <a:off x="1499887" y="4004969"/>
+            <a:ext cx="2404872" cy="1041811"/>
+          </a:xfrm>
+          <a:prstGeom prst="rect">
+            <a:avLst/>
+          </a:prstGeom>
         </p:spPr>
       </p:pic>
     </p:spTree>
@@ -18186,13 +18321,13 @@
   <p:clrMapOvr>
     <a:masterClrMapping/>
   </p:clrMapOvr>
-  <mc:AlternateContent xmlns:mc="http://schemas.openxmlformats.org/markup-compatibility/2006">
-    <mc:Choice xmlns:p14="http://schemas.microsoft.com/office/powerpoint/2010/main" Requires="p14">
+  <mc:AlternateContent xmlns:mc="http://schemas.openxmlformats.org/markup-compatibility/2006" xmlns:p14="http://schemas.microsoft.com/office/powerpoint/2010/main">
+    <mc:Choice Requires="p14">
       <p:transition p14:dur="250">
         <p:push dir="d"/>
       </p:transition>
     </mc:Choice>
-    <mc:Fallback>
+    <mc:Fallback xmlns="">
       <p:transition>
         <p:push dir="d"/>
       </p:transition>
@@ -18556,6 +18691,120 @@
                       </p:childTnLst>
                     </p:cTn>
                   </p:par>
+                  <p:par>
+                    <p:cTn id="33" fill="hold">
+                      <p:stCondLst>
+                        <p:cond delay="indefinite"/>
+                      </p:stCondLst>
+                      <p:childTnLst>
+                        <p:par>
+                          <p:cTn id="34" fill="hold">
+                            <p:stCondLst>
+                              <p:cond delay="0"/>
+                            </p:stCondLst>
+                            <p:childTnLst>
+                              <p:par>
+                                <p:cTn id="35" presetID="10" presetClass="entr" presetSubtype="0" fill="hold" nodeType="clickEffect">
+                                  <p:stCondLst>
+                                    <p:cond delay="0"/>
+                                  </p:stCondLst>
+                                  <p:childTnLst>
+                                    <p:set>
+                                      <p:cBhvr>
+                                        <p:cTn id="36" dur="1" fill="hold">
+                                          <p:stCondLst>
+                                            <p:cond delay="0"/>
+                                          </p:stCondLst>
+                                        </p:cTn>
+                                        <p:tgtEl>
+                                          <p:spTgt spid="7">
+                                            <p:txEl>
+                                              <p:pRg st="13" end="13"/>
+                                            </p:txEl>
+                                          </p:spTgt>
+                                        </p:tgtEl>
+                                        <p:attrNameLst>
+                                          <p:attrName>style.visibility</p:attrName>
+                                        </p:attrNameLst>
+                                      </p:cBhvr>
+                                      <p:to>
+                                        <p:strVal val="visible"/>
+                                      </p:to>
+                                    </p:set>
+                                    <p:animEffect transition="in" filter="fade">
+                                      <p:cBhvr>
+                                        <p:cTn id="37" dur="250"/>
+                                        <p:tgtEl>
+                                          <p:spTgt spid="7">
+                                            <p:txEl>
+                                              <p:pRg st="13" end="13"/>
+                                            </p:txEl>
+                                          </p:spTgt>
+                                        </p:tgtEl>
+                                      </p:cBhvr>
+                                    </p:animEffect>
+                                  </p:childTnLst>
+                                </p:cTn>
+                              </p:par>
+                            </p:childTnLst>
+                          </p:cTn>
+                        </p:par>
+                      </p:childTnLst>
+                    </p:cTn>
+                  </p:par>
+                  <p:par>
+                    <p:cTn id="38" fill="hold">
+                      <p:stCondLst>
+                        <p:cond delay="indefinite"/>
+                      </p:stCondLst>
+                      <p:childTnLst>
+                        <p:par>
+                          <p:cTn id="39" fill="hold">
+                            <p:stCondLst>
+                              <p:cond delay="0"/>
+                            </p:stCondLst>
+                            <p:childTnLst>
+                              <p:par>
+                                <p:cTn id="40" presetID="10" presetClass="entr" presetSubtype="0" fill="hold" nodeType="clickEffect">
+                                  <p:stCondLst>
+                                    <p:cond delay="0"/>
+                                  </p:stCondLst>
+                                  <p:childTnLst>
+                                    <p:set>
+                                      <p:cBhvr>
+                                        <p:cTn id="41" dur="1" fill="hold">
+                                          <p:stCondLst>
+                                            <p:cond delay="0"/>
+                                          </p:stCondLst>
+                                        </p:cTn>
+                                        <p:tgtEl>
+                                          <p:spTgt spid="3"/>
+                                        </p:tgtEl>
+                                        <p:attrNameLst>
+                                          <p:attrName>style.visibility</p:attrName>
+                                        </p:attrNameLst>
+                                      </p:cBhvr>
+                                      <p:to>
+                                        <p:strVal val="visible"/>
+                                      </p:to>
+                                    </p:set>
+                                    <p:animEffect transition="in" filter="fade">
+                                      <p:cBhvr>
+                                        <p:cTn id="42" dur="250"/>
+                                        <p:tgtEl>
+                                          <p:spTgt spid="3"/>
+                                        </p:tgtEl>
+                                      </p:cBhvr>
+                                    </p:animEffect>
+                                  </p:childTnLst>
+                                </p:cTn>
+                              </p:par>
+                            </p:childTnLst>
+                          </p:cTn>
+                        </p:par>
+                      </p:childTnLst>
+                    </p:cTn>
+                  </p:par>
                 </p:childTnLst>
               </p:cTn>
               <p:prevCondLst>
@@ -19068,13 +19317,13 @@
   <p:clrMapOvr>
     <a:masterClrMapping/>
   </p:clrMapOvr>
-  <mc:AlternateContent xmlns:mc="http://schemas.openxmlformats.org/markup-compatibility/2006">
-    <mc:Choice xmlns:p14="http://schemas.microsoft.com/office/powerpoint/2010/main" Requires="p14">
+  <mc:AlternateContent xmlns:mc="http://schemas.openxmlformats.org/markup-compatibility/2006" xmlns:p14="http://schemas.microsoft.com/office/powerpoint/2010/main">
+    <mc:Choice Requires="p14">
       <p:transition p14:dur="250">
         <p:push dir="d"/>
       </p:transition>
     </mc:Choice>
-    <mc:Fallback>
+    <mc:Fallback xmlns="">
       <p:transition>
         <p:push dir="d"/>
       </p:transition>
@@ -19592,13 +19841,13 @@
   <p:clrMapOvr>
     <a:masterClrMapping/>
   </p:clrMapOvr>
-  <mc:AlternateContent xmlns:mc="http://schemas.openxmlformats.org/markup-compatibility/2006">
-    <mc:Choice xmlns:p14="http://schemas.microsoft.com/office/powerpoint/2010/main" Requires="p14">
+  <mc:AlternateContent xmlns:mc="http://schemas.openxmlformats.org/markup-compatibility/2006" xmlns:p14="http://schemas.microsoft.com/office/powerpoint/2010/main">
+    <mc:Choice Requires="p14">
       <p:transition p14:dur="250">
         <p:cover/>
       </p:transition>
     </mc:Choice>
-    <mc:Fallback>
+    <mc:Fallback xmlns="">
       <p:transition>
         <p:cover/>
       </p:transition>
